--- a/Documenten/designPoker.pptx
+++ b/Documenten/designPoker.pptx
@@ -105,7 +105,41 @@
       </a:defRPr>
     </a:lvl9pPr>
   </p:defaultTextStyle>
+  <p:extLst>
+    <p:ext uri="{EFAFB233-063F-42B5-8137-9DF3F51BA10A}">
+      <p15:sldGuideLst xmlns:p15="http://schemas.microsoft.com/office/powerpoint/2012/main"/>
+    </p:ext>
+  </p:extLst>
 </p:presentation>
+</file>
+
+<file path=ppt/changesInfos/changesInfo1.xml><?xml version="1.0" encoding="utf-8"?>
+<pc:chgInfo xmlns:a="http://schemas.openxmlformats.org/drawingml/2006/main" xmlns:r="http://schemas.openxmlformats.org/officeDocument/2006/relationships" xmlns:ac="http://schemas.microsoft.com/office/drawing/2013/main/command" xmlns:pc="http://schemas.microsoft.com/office/powerpoint/2013/main/command">
+  <pc:docChgLst>
+    <pc:chgData name="Christian Malipaard" userId="0451abdb30c1cde2" providerId="LiveId" clId="{9E04D6A9-2638-4119-ABA1-BB3904254A9F}"/>
+    <pc:docChg chg="modSld">
+      <pc:chgData name="Christian Malipaard" userId="0451abdb30c1cde2" providerId="LiveId" clId="{9E04D6A9-2638-4119-ABA1-BB3904254A9F}" dt="2018-03-16T11:11:35.910" v="2" actId="20577"/>
+      <pc:docMkLst>
+        <pc:docMk/>
+      </pc:docMkLst>
+      <pc:sldChg chg="addSp modSp">
+        <pc:chgData name="Christian Malipaard" userId="0451abdb30c1cde2" providerId="LiveId" clId="{9E04D6A9-2638-4119-ABA1-BB3904254A9F}" dt="2018-03-16T11:11:35.910" v="2" actId="20577"/>
+        <pc:sldMkLst>
+          <pc:docMk/>
+          <pc:sldMk cId="1565356963" sldId="257"/>
+        </pc:sldMkLst>
+        <pc:spChg chg="add mod">
+          <ac:chgData name="Christian Malipaard" userId="0451abdb30c1cde2" providerId="LiveId" clId="{9E04D6A9-2638-4119-ABA1-BB3904254A9F}" dt="2018-03-16T11:11:35.910" v="2" actId="20577"/>
+          <ac:spMkLst>
+            <pc:docMk/>
+            <pc:sldMk cId="1565356963" sldId="257"/>
+            <ac:spMk id="2" creationId="{7BFCC722-EABD-4997-83D5-0909FD8F9FB0}"/>
+          </ac:spMkLst>
+        </pc:spChg>
+      </pc:sldChg>
+    </pc:docChg>
+  </pc:docChgLst>
+</pc:chgInfo>
 </file>
 
 <file path=ppt/slideLayouts/slideLayout1.xml><?xml version="1.0" encoding="utf-8"?>
@@ -6168,6 +6202,59 @@
           </a:p>
         </p:txBody>
       </p:sp>
+      <p:sp>
+        <p:nvSpPr>
+          <p:cNvPr id="2" name="Rectangle 1">
+            <a:extLst>
+              <a:ext uri="{FF2B5EF4-FFF2-40B4-BE49-F238E27FC236}">
+                <a16:creationId xmlns:a16="http://schemas.microsoft.com/office/drawing/2014/main" id="{7BFCC722-EABD-4997-83D5-0909FD8F9FB0}"/>
+              </a:ext>
+            </a:extLst>
+          </p:cNvPr>
+          <p:cNvSpPr/>
+          <p:nvPr/>
+        </p:nvSpPr>
+        <p:spPr>
+          <a:xfrm>
+            <a:off x="8363824" y="839755"/>
+            <a:ext cx="375849" cy="259203"/>
+          </a:xfrm>
+          <a:prstGeom prst="rect">
+            <a:avLst/>
+          </a:prstGeom>
+          <a:solidFill>
+            <a:srgbClr val="C00000"/>
+          </a:solidFill>
+        </p:spPr>
+        <p:style>
+          <a:lnRef idx="2">
+            <a:schemeClr val="accent1">
+              <a:shade val="50000"/>
+            </a:schemeClr>
+          </a:lnRef>
+          <a:fillRef idx="1">
+            <a:schemeClr val="accent1"/>
+          </a:fillRef>
+          <a:effectRef idx="0">
+            <a:schemeClr val="accent1"/>
+          </a:effectRef>
+          <a:fontRef idx="minor">
+            <a:schemeClr val="lt1"/>
+          </a:fontRef>
+        </p:style>
+        <p:txBody>
+          <a:bodyPr rtlCol="0" anchor="ctr"/>
+          <a:lstStyle/>
+          <a:p>
+            <a:pPr algn="ctr"/>
+            <a:r>
+              <a:rPr lang="en-US" dirty="0"/>
+              <a:t>X</a:t>
+            </a:r>
+            <a:endParaRPr lang="nl-NL" dirty="0"/>
+          </a:p>
+        </p:txBody>
+      </p:sp>
     </p:spTree>
     <p:extLst>
       <p:ext uri="{BB962C8B-B14F-4D97-AF65-F5344CB8AC3E}">

--- a/Documenten/designPoker.pptx
+++ b/Documenten/designPoker.pptx
@@ -117,13 +117,28 @@
 <pc:chgInfo xmlns:a="http://schemas.openxmlformats.org/drawingml/2006/main" xmlns:r="http://schemas.openxmlformats.org/officeDocument/2006/relationships" xmlns:ac="http://schemas.microsoft.com/office/drawing/2013/main/command" xmlns:pc="http://schemas.microsoft.com/office/powerpoint/2013/main/command">
   <pc:docChgLst>
     <pc:chgData name="Christian Malipaard" userId="0451abdb30c1cde2" providerId="LiveId" clId="{9E04D6A9-2638-4119-ABA1-BB3904254A9F}"/>
-    <pc:docChg chg="modSld">
-      <pc:chgData name="Christian Malipaard" userId="0451abdb30c1cde2" providerId="LiveId" clId="{9E04D6A9-2638-4119-ABA1-BB3904254A9F}" dt="2018-03-16T11:11:35.910" v="2" actId="20577"/>
+    <pc:docChg chg="undo modSld">
+      <pc:chgData name="Christian Malipaard" userId="0451abdb30c1cde2" providerId="LiveId" clId="{9E04D6A9-2638-4119-ABA1-BB3904254A9F}" dt="2018-03-16T12:00:36.446" v="9" actId="20577"/>
       <pc:docMkLst>
         <pc:docMk/>
       </pc:docMkLst>
+      <pc:sldChg chg="modSp">
+        <pc:chgData name="Christian Malipaard" userId="0451abdb30c1cde2" providerId="LiveId" clId="{9E04D6A9-2638-4119-ABA1-BB3904254A9F}" dt="2018-03-16T12:00:36.446" v="9" actId="20577"/>
+        <pc:sldMkLst>
+          <pc:docMk/>
+          <pc:sldMk cId="2378086893" sldId="256"/>
+        </pc:sldMkLst>
+        <pc:spChg chg="mod">
+          <ac:chgData name="Christian Malipaard" userId="0451abdb30c1cde2" providerId="LiveId" clId="{9E04D6A9-2638-4119-ABA1-BB3904254A9F}" dt="2018-03-16T12:00:36.446" v="9" actId="20577"/>
+          <ac:spMkLst>
+            <pc:docMk/>
+            <pc:sldMk cId="2378086893" sldId="256"/>
+            <ac:spMk id="9" creationId="{AF2EA81F-867C-41A3-B38A-98708B7D4577}"/>
+          </ac:spMkLst>
+        </pc:spChg>
+      </pc:sldChg>
       <pc:sldChg chg="addSp modSp">
-        <pc:chgData name="Christian Malipaard" userId="0451abdb30c1cde2" providerId="LiveId" clId="{9E04D6A9-2638-4119-ABA1-BB3904254A9F}" dt="2018-03-16T11:11:35.910" v="2" actId="20577"/>
+        <pc:chgData name="Christian Malipaard" userId="0451abdb30c1cde2" providerId="LiveId" clId="{9E04D6A9-2638-4119-ABA1-BB3904254A9F}" dt="2018-03-16T12:00:19.869" v="5" actId="20577"/>
         <pc:sldMkLst>
           <pc:docMk/>
           <pc:sldMk cId="1565356963" sldId="257"/>
@@ -134,6 +149,14 @@
             <pc:docMk/>
             <pc:sldMk cId="1565356963" sldId="257"/>
             <ac:spMk id="2" creationId="{7BFCC722-EABD-4997-83D5-0909FD8F9FB0}"/>
+          </ac:spMkLst>
+        </pc:spChg>
+        <pc:spChg chg="mod">
+          <ac:chgData name="Christian Malipaard" userId="0451abdb30c1cde2" providerId="LiveId" clId="{9E04D6A9-2638-4119-ABA1-BB3904254A9F}" dt="2018-03-16T12:00:19.869" v="5" actId="20577"/>
+          <ac:spMkLst>
+            <pc:docMk/>
+            <pc:sldMk cId="1565356963" sldId="257"/>
+            <ac:spMk id="10" creationId="{29F59065-FF5A-46F8-B9AA-1B87D75DED5E}"/>
           </ac:spMkLst>
         </pc:spChg>
       </pc:sldChg>
@@ -3496,7 +3519,7 @@
                   <a:schemeClr val="accent2"/>
                 </a:solidFill>
               </a:rPr>
-              <a:t>		 login | register | profile</a:t>
+              <a:t>			 login | register</a:t>
             </a:r>
             <a:endParaRPr lang="nl-NL" dirty="0">
               <a:solidFill>
@@ -4892,7 +4915,7 @@
                   <a:schemeClr val="accent2"/>
                 </a:solidFill>
               </a:rPr>
-              <a:t>		 login | register | profile</a:t>
+              <a:t>		 		profile</a:t>
             </a:r>
             <a:endParaRPr lang="nl-NL" dirty="0">
               <a:solidFill>
